--- a/GCP_AULA.pptx
+++ b/GCP_AULA.pptx
@@ -4,6 +4,9 @@
   <p:sldMasterIdLst>
     <p:sldMasterId id="2147483648" r:id="rId1"/>
   </p:sldMasterIdLst>
+  <p:notesMasterIdLst>
+    <p:notesMasterId r:id="rId36"/>
+  </p:notesMasterIdLst>
   <p:sldIdLst>
     <p:sldId id="256" r:id="rId2"/>
     <p:sldId id="257" r:id="rId3"/>
@@ -22,17 +25,23 @@
     <p:sldId id="262" r:id="rId16"/>
     <p:sldId id="284" r:id="rId17"/>
     <p:sldId id="264" r:id="rId18"/>
-    <p:sldId id="265" r:id="rId19"/>
-    <p:sldId id="266" r:id="rId20"/>
-    <p:sldId id="267" r:id="rId21"/>
-    <p:sldId id="268" r:id="rId22"/>
-    <p:sldId id="272" r:id="rId23"/>
-    <p:sldId id="269" r:id="rId24"/>
-    <p:sldId id="270" r:id="rId25"/>
-    <p:sldId id="271" r:id="rId26"/>
-    <p:sldId id="273" r:id="rId27"/>
-    <p:sldId id="274" r:id="rId28"/>
-    <p:sldId id="275" r:id="rId29"/>
+    <p:sldId id="285" r:id="rId19"/>
+    <p:sldId id="265" r:id="rId20"/>
+    <p:sldId id="286" r:id="rId21"/>
+    <p:sldId id="287" r:id="rId22"/>
+    <p:sldId id="288" r:id="rId23"/>
+    <p:sldId id="289" r:id="rId24"/>
+    <p:sldId id="290" r:id="rId25"/>
+    <p:sldId id="266" r:id="rId26"/>
+    <p:sldId id="267" r:id="rId27"/>
+    <p:sldId id="268" r:id="rId28"/>
+    <p:sldId id="272" r:id="rId29"/>
+    <p:sldId id="269" r:id="rId30"/>
+    <p:sldId id="270" r:id="rId31"/>
+    <p:sldId id="271" r:id="rId32"/>
+    <p:sldId id="273" r:id="rId33"/>
+    <p:sldId id="274" r:id="rId34"/>
+    <p:sldId id="275" r:id="rId35"/>
   </p:sldIdLst>
   <p:sldSz cx="12192000" cy="6858000"/>
   <p:notesSz cx="6858000" cy="9144000"/>
@@ -131,7 +140,632 @@
       </a:defRPr>
     </a:lvl9pPr>
   </p:defaultTextStyle>
+  <p:extLst>
+    <p:ext uri="{EFAFB233-063F-42B5-8137-9DF3F51BA10A}">
+      <p15:sldGuideLst xmlns:p15="http://schemas.microsoft.com/office/powerpoint/2012/main"/>
+    </p:ext>
+  </p:extLst>
 </p:presentation>
+</file>
+
+<file path=ppt/notesMasters/notesMaster1.xml><?xml version="1.0" encoding="utf-8"?>
+<p:notesMaster xmlns:a="http://schemas.openxmlformats.org/drawingml/2006/main" xmlns:r="http://schemas.openxmlformats.org/officeDocument/2006/relationships" xmlns:p="http://schemas.openxmlformats.org/presentationml/2006/main">
+  <p:cSld>
+    <p:bg>
+      <p:bgRef idx="1001">
+        <a:schemeClr val="bg1"/>
+      </p:bgRef>
+    </p:bg>
+    <p:spTree>
+      <p:nvGrpSpPr>
+        <p:cNvPr id="1" name=""/>
+        <p:cNvGrpSpPr/>
+        <p:nvPr/>
+      </p:nvGrpSpPr>
+      <p:grpSpPr>
+        <a:xfrm>
+          <a:off x="0" y="0"/>
+          <a:ext cx="0" cy="0"/>
+          <a:chOff x="0" y="0"/>
+          <a:chExt cx="0" cy="0"/>
+        </a:xfrm>
+      </p:grpSpPr>
+      <p:sp>
+        <p:nvSpPr>
+          <p:cNvPr id="2" name="Header Placeholder 1"/>
+          <p:cNvSpPr>
+            <a:spLocks noGrp="1"/>
+          </p:cNvSpPr>
+          <p:nvPr>
+            <p:ph type="hdr" sz="quarter"/>
+          </p:nvPr>
+        </p:nvSpPr>
+        <p:spPr>
+          <a:xfrm>
+            <a:off x="0" y="0"/>
+            <a:ext cx="2971800" cy="458788"/>
+          </a:xfrm>
+          <a:prstGeom prst="rect">
+            <a:avLst/>
+          </a:prstGeom>
+        </p:spPr>
+        <p:txBody>
+          <a:bodyPr vert="horz" lIns="91440" tIns="45720" rIns="91440" bIns="45720" rtlCol="0"/>
+          <a:lstStyle>
+            <a:lvl1pPr algn="l">
+              <a:defRPr sz="1200"/>
+            </a:lvl1pPr>
+          </a:lstStyle>
+          <a:p>
+            <a:endParaRPr lang="pt-BR"/>
+          </a:p>
+        </p:txBody>
+      </p:sp>
+      <p:sp>
+        <p:nvSpPr>
+          <p:cNvPr id="3" name="Date Placeholder 2"/>
+          <p:cNvSpPr>
+            <a:spLocks noGrp="1"/>
+          </p:cNvSpPr>
+          <p:nvPr>
+            <p:ph type="dt" idx="1"/>
+          </p:nvPr>
+        </p:nvSpPr>
+        <p:spPr>
+          <a:xfrm>
+            <a:off x="3884613" y="0"/>
+            <a:ext cx="2971800" cy="458788"/>
+          </a:xfrm>
+          <a:prstGeom prst="rect">
+            <a:avLst/>
+          </a:prstGeom>
+        </p:spPr>
+        <p:txBody>
+          <a:bodyPr vert="horz" lIns="91440" tIns="45720" rIns="91440" bIns="45720" rtlCol="0"/>
+          <a:lstStyle>
+            <a:lvl1pPr algn="r">
+              <a:defRPr sz="1200"/>
+            </a:lvl1pPr>
+          </a:lstStyle>
+          <a:p>
+            <a:fld id="{646E1178-10CF-476E-A830-69F671C667F2}" type="datetimeFigureOut">
+              <a:rPr lang="pt-BR" smtClean="0"/>
+              <a:t>23/10/2020</a:t>
+            </a:fld>
+            <a:endParaRPr lang="pt-BR"/>
+          </a:p>
+        </p:txBody>
+      </p:sp>
+      <p:sp>
+        <p:nvSpPr>
+          <p:cNvPr id="4" name="Slide Image Placeholder 3"/>
+          <p:cNvSpPr>
+            <a:spLocks noGrp="1" noRot="1" noChangeAspect="1"/>
+          </p:cNvSpPr>
+          <p:nvPr>
+            <p:ph type="sldImg" idx="2"/>
+          </p:nvPr>
+        </p:nvSpPr>
+        <p:spPr>
+          <a:xfrm>
+            <a:off x="685800" y="1143000"/>
+            <a:ext cx="5486400" cy="3086100"/>
+          </a:xfrm>
+          <a:prstGeom prst="rect">
+            <a:avLst/>
+          </a:prstGeom>
+          <a:noFill/>
+          <a:ln w="12700">
+            <a:solidFill>
+              <a:prstClr val="black"/>
+            </a:solidFill>
+          </a:ln>
+        </p:spPr>
+        <p:txBody>
+          <a:bodyPr vert="horz" lIns="91440" tIns="45720" rIns="91440" bIns="45720" rtlCol="0" anchor="ctr"/>
+          <a:lstStyle/>
+          <a:p>
+            <a:endParaRPr lang="pt-BR"/>
+          </a:p>
+        </p:txBody>
+      </p:sp>
+      <p:sp>
+        <p:nvSpPr>
+          <p:cNvPr id="5" name="Notes Placeholder 4"/>
+          <p:cNvSpPr>
+            <a:spLocks noGrp="1"/>
+          </p:cNvSpPr>
+          <p:nvPr>
+            <p:ph type="body" sz="quarter" idx="3"/>
+          </p:nvPr>
+        </p:nvSpPr>
+        <p:spPr>
+          <a:xfrm>
+            <a:off x="685800" y="4400550"/>
+            <a:ext cx="5486400" cy="3600450"/>
+          </a:xfrm>
+          <a:prstGeom prst="rect">
+            <a:avLst/>
+          </a:prstGeom>
+        </p:spPr>
+        <p:txBody>
+          <a:bodyPr vert="horz" lIns="91440" tIns="45720" rIns="91440" bIns="45720" rtlCol="0"/>
+          <a:lstStyle/>
+          <a:p>
+            <a:pPr lvl="0"/>
+            <a:r>
+              <a:rPr lang="en-US"/>
+              <a:t>Click to edit Master text styles</a:t>
+            </a:r>
+          </a:p>
+          <a:p>
+            <a:pPr lvl="1"/>
+            <a:r>
+              <a:rPr lang="en-US"/>
+              <a:t>Second level</a:t>
+            </a:r>
+          </a:p>
+          <a:p>
+            <a:pPr lvl="2"/>
+            <a:r>
+              <a:rPr lang="en-US"/>
+              <a:t>Third level</a:t>
+            </a:r>
+          </a:p>
+          <a:p>
+            <a:pPr lvl="3"/>
+            <a:r>
+              <a:rPr lang="en-US"/>
+              <a:t>Fourth level</a:t>
+            </a:r>
+          </a:p>
+          <a:p>
+            <a:pPr lvl="4"/>
+            <a:r>
+              <a:rPr lang="en-US"/>
+              <a:t>Fifth level</a:t>
+            </a:r>
+            <a:endParaRPr lang="pt-BR"/>
+          </a:p>
+        </p:txBody>
+      </p:sp>
+      <p:sp>
+        <p:nvSpPr>
+          <p:cNvPr id="6" name="Footer Placeholder 5"/>
+          <p:cNvSpPr>
+            <a:spLocks noGrp="1"/>
+          </p:cNvSpPr>
+          <p:nvPr>
+            <p:ph type="ftr" sz="quarter" idx="4"/>
+          </p:nvPr>
+        </p:nvSpPr>
+        <p:spPr>
+          <a:xfrm>
+            <a:off x="0" y="8685213"/>
+            <a:ext cx="2971800" cy="458787"/>
+          </a:xfrm>
+          <a:prstGeom prst="rect">
+            <a:avLst/>
+          </a:prstGeom>
+        </p:spPr>
+        <p:txBody>
+          <a:bodyPr vert="horz" lIns="91440" tIns="45720" rIns="91440" bIns="45720" rtlCol="0" anchor="b"/>
+          <a:lstStyle>
+            <a:lvl1pPr algn="l">
+              <a:defRPr sz="1200"/>
+            </a:lvl1pPr>
+          </a:lstStyle>
+          <a:p>
+            <a:endParaRPr lang="pt-BR"/>
+          </a:p>
+        </p:txBody>
+      </p:sp>
+      <p:sp>
+        <p:nvSpPr>
+          <p:cNvPr id="7" name="Slide Number Placeholder 6"/>
+          <p:cNvSpPr>
+            <a:spLocks noGrp="1"/>
+          </p:cNvSpPr>
+          <p:nvPr>
+            <p:ph type="sldNum" sz="quarter" idx="5"/>
+          </p:nvPr>
+        </p:nvSpPr>
+        <p:spPr>
+          <a:xfrm>
+            <a:off x="3884613" y="8685213"/>
+            <a:ext cx="2971800" cy="458787"/>
+          </a:xfrm>
+          <a:prstGeom prst="rect">
+            <a:avLst/>
+          </a:prstGeom>
+        </p:spPr>
+        <p:txBody>
+          <a:bodyPr vert="horz" lIns="91440" tIns="45720" rIns="91440" bIns="45720" rtlCol="0" anchor="b"/>
+          <a:lstStyle>
+            <a:lvl1pPr algn="r">
+              <a:defRPr sz="1200"/>
+            </a:lvl1pPr>
+          </a:lstStyle>
+          <a:p>
+            <a:fld id="{9D709BF9-AE7C-4B58-8E0D-6FAC994FD09E}" type="slidenum">
+              <a:rPr lang="pt-BR" smtClean="0"/>
+              <a:t>‹#›</a:t>
+            </a:fld>
+            <a:endParaRPr lang="pt-BR"/>
+          </a:p>
+        </p:txBody>
+      </p:sp>
+    </p:spTree>
+    <p:extLst>
+      <p:ext uri="{BB962C8B-B14F-4D97-AF65-F5344CB8AC3E}">
+        <p14:creationId xmlns:p14="http://schemas.microsoft.com/office/powerpoint/2010/main" val="3361292425"/>
+      </p:ext>
+    </p:extLst>
+  </p:cSld>
+  <p:clrMap bg1="lt1" tx1="dk1" bg2="lt2" tx2="dk2" accent1="accent1" accent2="accent2" accent3="accent3" accent4="accent4" accent5="accent5" accent6="accent6" hlink="hlink" folHlink="folHlink"/>
+  <p:notesStyle>
+    <a:lvl1pPr marL="0" algn="l" defTabSz="914400" rtl="0" eaLnBrk="1" latinLnBrk="0" hangingPunct="1">
+      <a:defRPr sz="1200" kern="1200">
+        <a:solidFill>
+          <a:schemeClr val="tx1"/>
+        </a:solidFill>
+        <a:latin typeface="+mn-lt"/>
+        <a:ea typeface="+mn-ea"/>
+        <a:cs typeface="+mn-cs"/>
+      </a:defRPr>
+    </a:lvl1pPr>
+    <a:lvl2pPr marL="457200" algn="l" defTabSz="914400" rtl="0" eaLnBrk="1" latinLnBrk="0" hangingPunct="1">
+      <a:defRPr sz="1200" kern="1200">
+        <a:solidFill>
+          <a:schemeClr val="tx1"/>
+        </a:solidFill>
+        <a:latin typeface="+mn-lt"/>
+        <a:ea typeface="+mn-ea"/>
+        <a:cs typeface="+mn-cs"/>
+      </a:defRPr>
+    </a:lvl2pPr>
+    <a:lvl3pPr marL="914400" algn="l" defTabSz="914400" rtl="0" eaLnBrk="1" latinLnBrk="0" hangingPunct="1">
+      <a:defRPr sz="1200" kern="1200">
+        <a:solidFill>
+          <a:schemeClr val="tx1"/>
+        </a:solidFill>
+        <a:latin typeface="+mn-lt"/>
+        <a:ea typeface="+mn-ea"/>
+        <a:cs typeface="+mn-cs"/>
+      </a:defRPr>
+    </a:lvl3pPr>
+    <a:lvl4pPr marL="1371600" algn="l" defTabSz="914400" rtl="0" eaLnBrk="1" latinLnBrk="0" hangingPunct="1">
+      <a:defRPr sz="1200" kern="1200">
+        <a:solidFill>
+          <a:schemeClr val="tx1"/>
+        </a:solidFill>
+        <a:latin typeface="+mn-lt"/>
+        <a:ea typeface="+mn-ea"/>
+        <a:cs typeface="+mn-cs"/>
+      </a:defRPr>
+    </a:lvl4pPr>
+    <a:lvl5pPr marL="1828800" algn="l" defTabSz="914400" rtl="0" eaLnBrk="1" latinLnBrk="0" hangingPunct="1">
+      <a:defRPr sz="1200" kern="1200">
+        <a:solidFill>
+          <a:schemeClr val="tx1"/>
+        </a:solidFill>
+        <a:latin typeface="+mn-lt"/>
+        <a:ea typeface="+mn-ea"/>
+        <a:cs typeface="+mn-cs"/>
+      </a:defRPr>
+    </a:lvl5pPr>
+    <a:lvl6pPr marL="2286000" algn="l" defTabSz="914400" rtl="0" eaLnBrk="1" latinLnBrk="0" hangingPunct="1">
+      <a:defRPr sz="1200" kern="1200">
+        <a:solidFill>
+          <a:schemeClr val="tx1"/>
+        </a:solidFill>
+        <a:latin typeface="+mn-lt"/>
+        <a:ea typeface="+mn-ea"/>
+        <a:cs typeface="+mn-cs"/>
+      </a:defRPr>
+    </a:lvl6pPr>
+    <a:lvl7pPr marL="2743200" algn="l" defTabSz="914400" rtl="0" eaLnBrk="1" latinLnBrk="0" hangingPunct="1">
+      <a:defRPr sz="1200" kern="1200">
+        <a:solidFill>
+          <a:schemeClr val="tx1"/>
+        </a:solidFill>
+        <a:latin typeface="+mn-lt"/>
+        <a:ea typeface="+mn-ea"/>
+        <a:cs typeface="+mn-cs"/>
+      </a:defRPr>
+    </a:lvl7pPr>
+    <a:lvl8pPr marL="3200400" algn="l" defTabSz="914400" rtl="0" eaLnBrk="1" latinLnBrk="0" hangingPunct="1">
+      <a:defRPr sz="1200" kern="1200">
+        <a:solidFill>
+          <a:schemeClr val="tx1"/>
+        </a:solidFill>
+        <a:latin typeface="+mn-lt"/>
+        <a:ea typeface="+mn-ea"/>
+        <a:cs typeface="+mn-cs"/>
+      </a:defRPr>
+    </a:lvl8pPr>
+    <a:lvl9pPr marL="3657600" algn="l" defTabSz="914400" rtl="0" eaLnBrk="1" latinLnBrk="0" hangingPunct="1">
+      <a:defRPr sz="1200" kern="1200">
+        <a:solidFill>
+          <a:schemeClr val="tx1"/>
+        </a:solidFill>
+        <a:latin typeface="+mn-lt"/>
+        <a:ea typeface="+mn-ea"/>
+        <a:cs typeface="+mn-cs"/>
+      </a:defRPr>
+    </a:lvl9pPr>
+  </p:notesStyle>
+</p:notesMaster>
+</file>
+
+<file path=ppt/notesSlides/notesSlide1.xml><?xml version="1.0" encoding="utf-8"?>
+<p:notes xmlns:a="http://schemas.openxmlformats.org/drawingml/2006/main" xmlns:r="http://schemas.openxmlformats.org/officeDocument/2006/relationships" xmlns:p="http://schemas.openxmlformats.org/presentationml/2006/main">
+  <p:cSld>
+    <p:spTree>
+      <p:nvGrpSpPr>
+        <p:cNvPr id="1" name=""/>
+        <p:cNvGrpSpPr/>
+        <p:nvPr/>
+      </p:nvGrpSpPr>
+      <p:grpSpPr>
+        <a:xfrm>
+          <a:off x="0" y="0"/>
+          <a:ext cx="0" cy="0"/>
+          <a:chOff x="0" y="0"/>
+          <a:chExt cx="0" cy="0"/>
+        </a:xfrm>
+      </p:grpSpPr>
+      <p:sp>
+        <p:nvSpPr>
+          <p:cNvPr id="2" name="Slide Image Placeholder 1"/>
+          <p:cNvSpPr>
+            <a:spLocks noGrp="1" noRot="1" noChangeAspect="1"/>
+          </p:cNvSpPr>
+          <p:nvPr>
+            <p:ph type="sldImg"/>
+          </p:nvPr>
+        </p:nvSpPr>
+        <p:spPr/>
+      </p:sp>
+      <p:sp>
+        <p:nvSpPr>
+          <p:cNvPr id="3" name="Notes Placeholder 2"/>
+          <p:cNvSpPr>
+            <a:spLocks noGrp="1"/>
+          </p:cNvSpPr>
+          <p:nvPr>
+            <p:ph type="body" idx="1"/>
+          </p:nvPr>
+        </p:nvSpPr>
+        <p:spPr/>
+        <p:txBody>
+          <a:bodyPr/>
+          <a:lstStyle/>
+          <a:p>
+            <a:r>
+              <a:rPr lang="pt-BR" dirty="0"/>
+              <a:t>https://cloud.google.com/</a:t>
+            </a:r>
+          </a:p>
+          <a:p>
+            <a:endParaRPr lang="pt-BR" dirty="0"/>
+          </a:p>
+        </p:txBody>
+      </p:sp>
+      <p:sp>
+        <p:nvSpPr>
+          <p:cNvPr id="4" name="Slide Number Placeholder 3"/>
+          <p:cNvSpPr>
+            <a:spLocks noGrp="1"/>
+          </p:cNvSpPr>
+          <p:nvPr>
+            <p:ph type="sldNum" sz="quarter" idx="5"/>
+          </p:nvPr>
+        </p:nvSpPr>
+        <p:spPr/>
+        <p:txBody>
+          <a:bodyPr/>
+          <a:lstStyle/>
+          <a:p>
+            <a:fld id="{9D709BF9-AE7C-4B58-8E0D-6FAC994FD09E}" type="slidenum">
+              <a:rPr lang="pt-BR" smtClean="0"/>
+              <a:t>17</a:t>
+            </a:fld>
+            <a:endParaRPr lang="pt-BR"/>
+          </a:p>
+        </p:txBody>
+      </p:sp>
+    </p:spTree>
+    <p:extLst>
+      <p:ext uri="{BB962C8B-B14F-4D97-AF65-F5344CB8AC3E}">
+        <p14:creationId xmlns:p14="http://schemas.microsoft.com/office/powerpoint/2010/main" val="2682430229"/>
+      </p:ext>
+    </p:extLst>
+  </p:cSld>
+  <p:clrMapOvr>
+    <a:masterClrMapping/>
+  </p:clrMapOvr>
+</p:notes>
+</file>
+
+<file path=ppt/notesSlides/notesSlide2.xml><?xml version="1.0" encoding="utf-8"?>
+<p:notes xmlns:a="http://schemas.openxmlformats.org/drawingml/2006/main" xmlns:r="http://schemas.openxmlformats.org/officeDocument/2006/relationships" xmlns:p="http://schemas.openxmlformats.org/presentationml/2006/main">
+  <p:cSld>
+    <p:spTree>
+      <p:nvGrpSpPr>
+        <p:cNvPr id="1" name=""/>
+        <p:cNvGrpSpPr/>
+        <p:nvPr/>
+      </p:nvGrpSpPr>
+      <p:grpSpPr>
+        <a:xfrm>
+          <a:off x="0" y="0"/>
+          <a:ext cx="0" cy="0"/>
+          <a:chOff x="0" y="0"/>
+          <a:chExt cx="0" cy="0"/>
+        </a:xfrm>
+      </p:grpSpPr>
+      <p:sp>
+        <p:nvSpPr>
+          <p:cNvPr id="2" name="Slide Image Placeholder 1"/>
+          <p:cNvSpPr>
+            <a:spLocks noGrp="1" noRot="1" noChangeAspect="1"/>
+          </p:cNvSpPr>
+          <p:nvPr>
+            <p:ph type="sldImg"/>
+          </p:nvPr>
+        </p:nvSpPr>
+        <p:spPr/>
+      </p:sp>
+      <p:sp>
+        <p:nvSpPr>
+          <p:cNvPr id="3" name="Notes Placeholder 2"/>
+          <p:cNvSpPr>
+            <a:spLocks noGrp="1"/>
+          </p:cNvSpPr>
+          <p:nvPr>
+            <p:ph type="body" idx="1"/>
+          </p:nvPr>
+        </p:nvSpPr>
+        <p:spPr/>
+        <p:txBody>
+          <a:bodyPr/>
+          <a:lstStyle/>
+          <a:p>
+            <a:r>
+              <a:rPr lang="pt-BR" dirty="0"/>
+              <a:t>https://cloud.google.com/about/locations/</a:t>
+            </a:r>
+          </a:p>
+        </p:txBody>
+      </p:sp>
+      <p:sp>
+        <p:nvSpPr>
+          <p:cNvPr id="4" name="Slide Number Placeholder 3"/>
+          <p:cNvSpPr>
+            <a:spLocks noGrp="1"/>
+          </p:cNvSpPr>
+          <p:nvPr>
+            <p:ph type="sldNum" sz="quarter" idx="5"/>
+          </p:nvPr>
+        </p:nvSpPr>
+        <p:spPr/>
+        <p:txBody>
+          <a:bodyPr/>
+          <a:lstStyle/>
+          <a:p>
+            <a:fld id="{9D709BF9-AE7C-4B58-8E0D-6FAC994FD09E}" type="slidenum">
+              <a:rPr lang="pt-BR" smtClean="0"/>
+              <a:t>19</a:t>
+            </a:fld>
+            <a:endParaRPr lang="pt-BR"/>
+          </a:p>
+        </p:txBody>
+      </p:sp>
+    </p:spTree>
+    <p:extLst>
+      <p:ext uri="{BB962C8B-B14F-4D97-AF65-F5344CB8AC3E}">
+        <p14:creationId xmlns:p14="http://schemas.microsoft.com/office/powerpoint/2010/main" val="3192743548"/>
+      </p:ext>
+    </p:extLst>
+  </p:cSld>
+  <p:clrMapOvr>
+    <a:masterClrMapping/>
+  </p:clrMapOvr>
+</p:notes>
+</file>
+
+<file path=ppt/notesSlides/notesSlide3.xml><?xml version="1.0" encoding="utf-8"?>
+<p:notes xmlns:a="http://schemas.openxmlformats.org/drawingml/2006/main" xmlns:r="http://schemas.openxmlformats.org/officeDocument/2006/relationships" xmlns:p="http://schemas.openxmlformats.org/presentationml/2006/main">
+  <p:cSld>
+    <p:spTree>
+      <p:nvGrpSpPr>
+        <p:cNvPr id="1" name=""/>
+        <p:cNvGrpSpPr/>
+        <p:nvPr/>
+      </p:nvGrpSpPr>
+      <p:grpSpPr>
+        <a:xfrm>
+          <a:off x="0" y="0"/>
+          <a:ext cx="0" cy="0"/>
+          <a:chOff x="0" y="0"/>
+          <a:chExt cx="0" cy="0"/>
+        </a:xfrm>
+      </p:grpSpPr>
+      <p:sp>
+        <p:nvSpPr>
+          <p:cNvPr id="2" name="Slide Image Placeholder 1"/>
+          <p:cNvSpPr>
+            <a:spLocks noGrp="1" noRot="1" noChangeAspect="1"/>
+          </p:cNvSpPr>
+          <p:nvPr>
+            <p:ph type="sldImg"/>
+          </p:nvPr>
+        </p:nvSpPr>
+        <p:spPr/>
+      </p:sp>
+      <p:sp>
+        <p:nvSpPr>
+          <p:cNvPr id="3" name="Notes Placeholder 2"/>
+          <p:cNvSpPr>
+            <a:spLocks noGrp="1"/>
+          </p:cNvSpPr>
+          <p:nvPr>
+            <p:ph type="body" idx="1"/>
+          </p:nvPr>
+        </p:nvSpPr>
+        <p:spPr/>
+        <p:txBody>
+          <a:bodyPr/>
+          <a:lstStyle/>
+          <a:p>
+            <a:r>
+              <a:rPr lang="pt-BR" dirty="0"/>
+              <a:t>https://www.google.com/about/datacenters/locations/</a:t>
+            </a:r>
+          </a:p>
+          <a:p>
+            <a:r>
+              <a:rPr lang="pt-BR" dirty="0"/>
+              <a:t>https://cloud.google.com/security/compliance</a:t>
+            </a:r>
+          </a:p>
+        </p:txBody>
+      </p:sp>
+      <p:sp>
+        <p:nvSpPr>
+          <p:cNvPr id="4" name="Slide Number Placeholder 3"/>
+          <p:cNvSpPr>
+            <a:spLocks noGrp="1"/>
+          </p:cNvSpPr>
+          <p:nvPr>
+            <p:ph type="sldNum" sz="quarter" idx="5"/>
+          </p:nvPr>
+        </p:nvSpPr>
+        <p:spPr/>
+        <p:txBody>
+          <a:bodyPr/>
+          <a:lstStyle/>
+          <a:p>
+            <a:fld id="{9D709BF9-AE7C-4B58-8E0D-6FAC994FD09E}" type="slidenum">
+              <a:rPr lang="pt-BR" smtClean="0"/>
+              <a:t>25</a:t>
+            </a:fld>
+            <a:endParaRPr lang="pt-BR"/>
+          </a:p>
+        </p:txBody>
+      </p:sp>
+    </p:spTree>
+    <p:extLst>
+      <p:ext uri="{BB962C8B-B14F-4D97-AF65-F5344CB8AC3E}">
+        <p14:creationId xmlns:p14="http://schemas.microsoft.com/office/powerpoint/2010/main" val="270897228"/>
+      </p:ext>
+    </p:extLst>
+  </p:cSld>
+  <p:clrMapOvr>
+    <a:masterClrMapping/>
+  </p:clrMapOvr>
+</p:notes>
 </file>
 
 <file path=ppt/slideLayouts/slideLayout1.xml><?xml version="1.0" encoding="utf-8"?>
@@ -4152,7 +4786,7 @@
           <p:cNvPr id="2" name="Title 1">
             <a:extLst>
               <a:ext uri="{FF2B5EF4-FFF2-40B4-BE49-F238E27FC236}">
-                <a16:creationId xmlns:a16="http://schemas.microsoft.com/office/drawing/2014/main" id="{FCA91784-370D-4CD0-B94C-0FD5BE13A393}"/>
+                <a16:creationId xmlns:a16="http://schemas.microsoft.com/office/drawing/2014/main" id="{B59CB185-3491-49B9-8DD3-2B821E4EF200}"/>
               </a:ext>
             </a:extLst>
           </p:cNvPr>
@@ -4163,28 +4797,142 @@
             <p:ph type="title"/>
           </p:nvPr>
         </p:nvSpPr>
+        <p:spPr/>
+        <p:txBody>
+          <a:bodyPr/>
+          <a:lstStyle/>
+          <a:p>
+            <a:r>
+              <a:rPr lang="pt-BR" dirty="0"/>
+              <a:t>Conhecendo os Serviços GCP</a:t>
+            </a:r>
+          </a:p>
+        </p:txBody>
+      </p:sp>
+      <p:pic>
+        <p:nvPicPr>
+          <p:cNvPr id="4" name="Picture 3">
+            <a:extLst>
+              <a:ext uri="{FF2B5EF4-FFF2-40B4-BE49-F238E27FC236}">
+                <a16:creationId xmlns:a16="http://schemas.microsoft.com/office/drawing/2014/main" id="{85078C34-E6CE-415E-B59D-10D2BFD5BDE2}"/>
+              </a:ext>
+            </a:extLst>
+          </p:cNvPr>
+          <p:cNvPicPr>
+            <a:picLocks noChangeAspect="1"/>
+          </p:cNvPicPr>
+          <p:nvPr/>
+        </p:nvPicPr>
+        <p:blipFill>
+          <a:blip r:embed="rId2"/>
+          <a:stretch>
+            <a:fillRect/>
+          </a:stretch>
+        </p:blipFill>
         <p:spPr>
           <a:xfrm>
-            <a:off x="838200" y="2766218"/>
-            <a:ext cx="10515600" cy="1325563"/>
+            <a:off x="838200" y="1690688"/>
+            <a:ext cx="8420100" cy="4819650"/>
           </a:xfrm>
+          <a:prstGeom prst="rect">
+            <a:avLst/>
+          </a:prstGeom>
         </p:spPr>
-        <p:txBody>
-          <a:bodyPr/>
-          <a:lstStyle/>
-          <a:p>
-            <a:pPr algn="ctr"/>
-            <a:r>
-              <a:rPr lang="pt-BR" dirty="0"/>
-              <a:t>Alcance Global da Google Cloud</a:t>
-            </a:r>
-          </a:p>
-        </p:txBody>
-      </p:sp>
+      </p:pic>
+      <p:pic>
+        <p:nvPicPr>
+          <p:cNvPr id="5" name="Picture 4">
+            <a:extLst>
+              <a:ext uri="{FF2B5EF4-FFF2-40B4-BE49-F238E27FC236}">
+                <a16:creationId xmlns:a16="http://schemas.microsoft.com/office/drawing/2014/main" id="{0EFB6C00-DF07-47BF-A16E-6D795E08AE99}"/>
+              </a:ext>
+            </a:extLst>
+          </p:cNvPr>
+          <p:cNvPicPr>
+            <a:picLocks noChangeAspect="1"/>
+          </p:cNvPicPr>
+          <p:nvPr/>
+        </p:nvPicPr>
+        <p:blipFill>
+          <a:blip r:embed="rId3"/>
+          <a:stretch>
+            <a:fillRect/>
+          </a:stretch>
+        </p:blipFill>
+        <p:spPr>
+          <a:xfrm>
+            <a:off x="9258300" y="1690688"/>
+            <a:ext cx="2257425" cy="1533525"/>
+          </a:xfrm>
+          <a:prstGeom prst="rect">
+            <a:avLst/>
+          </a:prstGeom>
+        </p:spPr>
+      </p:pic>
+      <p:pic>
+        <p:nvPicPr>
+          <p:cNvPr id="6" name="Picture 5">
+            <a:extLst>
+              <a:ext uri="{FF2B5EF4-FFF2-40B4-BE49-F238E27FC236}">
+                <a16:creationId xmlns:a16="http://schemas.microsoft.com/office/drawing/2014/main" id="{F1CFFC58-0F46-41D3-9449-5A0D14E8BC32}"/>
+              </a:ext>
+            </a:extLst>
+          </p:cNvPr>
+          <p:cNvPicPr>
+            <a:picLocks noChangeAspect="1"/>
+          </p:cNvPicPr>
+          <p:nvPr/>
+        </p:nvPicPr>
+        <p:blipFill>
+          <a:blip r:embed="rId4"/>
+          <a:stretch>
+            <a:fillRect/>
+          </a:stretch>
+        </p:blipFill>
+        <p:spPr>
+          <a:xfrm>
+            <a:off x="4800600" y="4438649"/>
+            <a:ext cx="3467100" cy="1457325"/>
+          </a:xfrm>
+          <a:prstGeom prst="rect">
+            <a:avLst/>
+          </a:prstGeom>
+        </p:spPr>
+      </p:pic>
+      <p:pic>
+        <p:nvPicPr>
+          <p:cNvPr id="9" name="Picture 8">
+            <a:extLst>
+              <a:ext uri="{FF2B5EF4-FFF2-40B4-BE49-F238E27FC236}">
+                <a16:creationId xmlns:a16="http://schemas.microsoft.com/office/drawing/2014/main" id="{632D7E91-0C87-487B-81FC-B21B0F9D93AF}"/>
+              </a:ext>
+            </a:extLst>
+          </p:cNvPr>
+          <p:cNvPicPr>
+            <a:picLocks noChangeAspect="1"/>
+          </p:cNvPicPr>
+          <p:nvPr/>
+        </p:nvPicPr>
+        <p:blipFill>
+          <a:blip r:embed="rId5"/>
+          <a:stretch>
+            <a:fillRect/>
+          </a:stretch>
+        </p:blipFill>
+        <p:spPr>
+          <a:xfrm>
+            <a:off x="8048625" y="3619499"/>
+            <a:ext cx="3524250" cy="2276475"/>
+          </a:xfrm>
+          <a:prstGeom prst="rect">
+            <a:avLst/>
+          </a:prstGeom>
+        </p:spPr>
+      </p:pic>
     </p:spTree>
     <p:extLst>
       <p:ext uri="{BB962C8B-B14F-4D97-AF65-F5344CB8AC3E}">
-        <p14:creationId xmlns:p14="http://schemas.microsoft.com/office/powerpoint/2010/main" val="3490797089"/>
+        <p14:creationId xmlns:p14="http://schemas.microsoft.com/office/powerpoint/2010/main" val="217249939"/>
       </p:ext>
     </p:extLst>
   </p:cSld>
@@ -4240,7 +4988,7 @@
             <a:pPr algn="ctr"/>
             <a:r>
               <a:rPr lang="pt-BR" dirty="0"/>
-              <a:t>Modelo de Segurança na Google Cloud</a:t>
+              <a:t>Alcance Global da Google Cloud</a:t>
             </a:r>
           </a:p>
         </p:txBody>
@@ -4248,7 +4996,7 @@
     </p:spTree>
     <p:extLst>
       <p:ext uri="{BB962C8B-B14F-4D97-AF65-F5344CB8AC3E}">
-        <p14:creationId xmlns:p14="http://schemas.microsoft.com/office/powerpoint/2010/main" val="4030395476"/>
+        <p14:creationId xmlns:p14="http://schemas.microsoft.com/office/powerpoint/2010/main" val="3490797089"/>
       </p:ext>
     </p:extLst>
   </p:cSld>
@@ -4349,7 +5097,7 @@
           <p:cNvPr id="2" name="Title 1">
             <a:extLst>
               <a:ext uri="{FF2B5EF4-FFF2-40B4-BE49-F238E27FC236}">
-                <a16:creationId xmlns:a16="http://schemas.microsoft.com/office/drawing/2014/main" id="{FCA91784-370D-4CD0-B94C-0FD5BE13A393}"/>
+                <a16:creationId xmlns:a16="http://schemas.microsoft.com/office/drawing/2014/main" id="{1E5330F8-9BD9-43C8-9A39-602ADCF6BBBD}"/>
               </a:ext>
             </a:extLst>
           </p:cNvPr>
@@ -4360,28 +5108,52 @@
             <p:ph type="title"/>
           </p:nvPr>
         </p:nvSpPr>
+        <p:spPr/>
+        <p:txBody>
+          <a:bodyPr/>
+          <a:lstStyle/>
+          <a:p>
+            <a:r>
+              <a:rPr lang="pt-BR" dirty="0"/>
+              <a:t>Alcance Global</a:t>
+            </a:r>
+          </a:p>
+        </p:txBody>
+      </p:sp>
+      <p:pic>
+        <p:nvPicPr>
+          <p:cNvPr id="4" name="Picture 3">
+            <a:extLst>
+              <a:ext uri="{FF2B5EF4-FFF2-40B4-BE49-F238E27FC236}">
+                <a16:creationId xmlns:a16="http://schemas.microsoft.com/office/drawing/2014/main" id="{CAA94D04-7DD0-4B6D-A853-2AB5CFA78E64}"/>
+              </a:ext>
+            </a:extLst>
+          </p:cNvPr>
+          <p:cNvPicPr>
+            <a:picLocks noChangeAspect="1"/>
+          </p:cNvPicPr>
+          <p:nvPr/>
+        </p:nvPicPr>
+        <p:blipFill>
+          <a:blip r:embed="rId2"/>
+          <a:stretch>
+            <a:fillRect/>
+          </a:stretch>
+        </p:blipFill>
         <p:spPr>
           <a:xfrm>
-            <a:off x="838200" y="2766218"/>
-            <a:ext cx="10515600" cy="1325563"/>
+            <a:off x="838200" y="2262187"/>
+            <a:ext cx="3676650" cy="2333625"/>
           </a:xfrm>
+          <a:prstGeom prst="rect">
+            <a:avLst/>
+          </a:prstGeom>
         </p:spPr>
-        <p:txBody>
-          <a:bodyPr/>
-          <a:lstStyle/>
-          <a:p>
-            <a:pPr algn="ctr"/>
-            <a:r>
-              <a:rPr lang="pt-BR" dirty="0"/>
-              <a:t>Preços na Google Cloud Platform</a:t>
-            </a:r>
-          </a:p>
-        </p:txBody>
-      </p:sp>
+      </p:pic>
     </p:spTree>
     <p:extLst>
       <p:ext uri="{BB962C8B-B14F-4D97-AF65-F5344CB8AC3E}">
-        <p14:creationId xmlns:p14="http://schemas.microsoft.com/office/powerpoint/2010/main" val="1579028456"/>
+        <p14:creationId xmlns:p14="http://schemas.microsoft.com/office/powerpoint/2010/main" val="824196882"/>
       </p:ext>
     </p:extLst>
   </p:cSld>
@@ -4413,7 +5185,7 @@
           <p:cNvPr id="2" name="Title 1">
             <a:extLst>
               <a:ext uri="{FF2B5EF4-FFF2-40B4-BE49-F238E27FC236}">
-                <a16:creationId xmlns:a16="http://schemas.microsoft.com/office/drawing/2014/main" id="{FCA91784-370D-4CD0-B94C-0FD5BE13A393}"/>
+                <a16:creationId xmlns:a16="http://schemas.microsoft.com/office/drawing/2014/main" id="{1E5330F8-9BD9-43C8-9A39-602ADCF6BBBD}"/>
               </a:ext>
             </a:extLst>
           </p:cNvPr>
@@ -4424,28 +5196,52 @@
             <p:ph type="title"/>
           </p:nvPr>
         </p:nvSpPr>
+        <p:spPr/>
+        <p:txBody>
+          <a:bodyPr/>
+          <a:lstStyle/>
+          <a:p>
+            <a:r>
+              <a:rPr lang="pt-BR" dirty="0"/>
+              <a:t>Alcance Global</a:t>
+            </a:r>
+          </a:p>
+        </p:txBody>
+      </p:sp>
+      <p:pic>
+        <p:nvPicPr>
+          <p:cNvPr id="5" name="Picture 4">
+            <a:extLst>
+              <a:ext uri="{FF2B5EF4-FFF2-40B4-BE49-F238E27FC236}">
+                <a16:creationId xmlns:a16="http://schemas.microsoft.com/office/drawing/2014/main" id="{3C01D497-CD71-43AA-993B-0A7E22B09E35}"/>
+              </a:ext>
+            </a:extLst>
+          </p:cNvPr>
+          <p:cNvPicPr>
+            <a:picLocks noChangeAspect="1"/>
+          </p:cNvPicPr>
+          <p:nvPr/>
+        </p:nvPicPr>
+        <p:blipFill>
+          <a:blip r:embed="rId2"/>
+          <a:stretch>
+            <a:fillRect/>
+          </a:stretch>
+        </p:blipFill>
         <p:spPr>
           <a:xfrm>
-            <a:off x="838200" y="2766218"/>
-            <a:ext cx="10515600" cy="1325563"/>
+            <a:off x="681037" y="1476375"/>
+            <a:ext cx="10829925" cy="3905250"/>
           </a:xfrm>
+          <a:prstGeom prst="rect">
+            <a:avLst/>
+          </a:prstGeom>
         </p:spPr>
-        <p:txBody>
-          <a:bodyPr/>
-          <a:lstStyle/>
-          <a:p>
-            <a:pPr algn="ctr"/>
-            <a:r>
-              <a:rPr lang="pt-BR" dirty="0"/>
-              <a:t>Criando Conta na Google Cloud</a:t>
-            </a:r>
-          </a:p>
-        </p:txBody>
-      </p:sp>
+      </p:pic>
     </p:spTree>
     <p:extLst>
       <p:ext uri="{BB962C8B-B14F-4D97-AF65-F5344CB8AC3E}">
-        <p14:creationId xmlns:p14="http://schemas.microsoft.com/office/powerpoint/2010/main" val="1471387377"/>
+        <p14:creationId xmlns:p14="http://schemas.microsoft.com/office/powerpoint/2010/main" val="3690836978"/>
       </p:ext>
     </p:extLst>
   </p:cSld>
@@ -4477,7 +5273,7 @@
           <p:cNvPr id="2" name="Title 1">
             <a:extLst>
               <a:ext uri="{FF2B5EF4-FFF2-40B4-BE49-F238E27FC236}">
-                <a16:creationId xmlns:a16="http://schemas.microsoft.com/office/drawing/2014/main" id="{FCA91784-370D-4CD0-B94C-0FD5BE13A393}"/>
+                <a16:creationId xmlns:a16="http://schemas.microsoft.com/office/drawing/2014/main" id="{1E5330F8-9BD9-43C8-9A39-602ADCF6BBBD}"/>
               </a:ext>
             </a:extLst>
           </p:cNvPr>
@@ -4488,28 +5284,82 @@
             <p:ph type="title"/>
           </p:nvPr>
         </p:nvSpPr>
+        <p:spPr/>
+        <p:txBody>
+          <a:bodyPr/>
+          <a:lstStyle/>
+          <a:p>
+            <a:r>
+              <a:rPr lang="pt-BR" dirty="0"/>
+              <a:t>Alcance Global</a:t>
+            </a:r>
+          </a:p>
+        </p:txBody>
+      </p:sp>
+      <p:pic>
+        <p:nvPicPr>
+          <p:cNvPr id="4" name="Picture 3">
+            <a:extLst>
+              <a:ext uri="{FF2B5EF4-FFF2-40B4-BE49-F238E27FC236}">
+                <a16:creationId xmlns:a16="http://schemas.microsoft.com/office/drawing/2014/main" id="{6E245E22-6B4B-47FD-AC1A-D203EBE9BA27}"/>
+              </a:ext>
+            </a:extLst>
+          </p:cNvPr>
+          <p:cNvPicPr>
+            <a:picLocks noChangeAspect="1"/>
+          </p:cNvPicPr>
+          <p:nvPr/>
+        </p:nvPicPr>
+        <p:blipFill>
+          <a:blip r:embed="rId2"/>
+          <a:stretch>
+            <a:fillRect/>
+          </a:stretch>
+        </p:blipFill>
         <p:spPr>
           <a:xfrm>
-            <a:off x="838200" y="2766218"/>
-            <a:ext cx="10515600" cy="1325563"/>
+            <a:off x="628650" y="1690688"/>
+            <a:ext cx="10934700" cy="3871497"/>
           </a:xfrm>
+          <a:prstGeom prst="rect">
+            <a:avLst/>
+          </a:prstGeom>
         </p:spPr>
-        <p:txBody>
-          <a:bodyPr/>
-          <a:lstStyle/>
-          <a:p>
-            <a:pPr algn="ctr"/>
-            <a:r>
-              <a:rPr lang="pt-BR" dirty="0"/>
-              <a:t>Gastos e Orçamentos</a:t>
-            </a:r>
-          </a:p>
-        </p:txBody>
-      </p:sp>
+      </p:pic>
+      <p:pic>
+        <p:nvPicPr>
+          <p:cNvPr id="6" name="Picture 5">
+            <a:extLst>
+              <a:ext uri="{FF2B5EF4-FFF2-40B4-BE49-F238E27FC236}">
+                <a16:creationId xmlns:a16="http://schemas.microsoft.com/office/drawing/2014/main" id="{FEDE3C1D-948D-44D9-8ECE-97CDF7F6CF72}"/>
+              </a:ext>
+            </a:extLst>
+          </p:cNvPr>
+          <p:cNvPicPr>
+            <a:picLocks noChangeAspect="1"/>
+          </p:cNvPicPr>
+          <p:nvPr/>
+        </p:nvPicPr>
+        <p:blipFill>
+          <a:blip r:embed="rId3"/>
+          <a:stretch>
+            <a:fillRect/>
+          </a:stretch>
+        </p:blipFill>
+        <p:spPr>
+          <a:xfrm>
+            <a:off x="628650" y="5562185"/>
+            <a:ext cx="10534650" cy="714375"/>
+          </a:xfrm>
+          <a:prstGeom prst="rect">
+            <a:avLst/>
+          </a:prstGeom>
+        </p:spPr>
+      </p:pic>
     </p:spTree>
     <p:extLst>
       <p:ext uri="{BB962C8B-B14F-4D97-AF65-F5344CB8AC3E}">
-        <p14:creationId xmlns:p14="http://schemas.microsoft.com/office/powerpoint/2010/main" val="3337993603"/>
+        <p14:creationId xmlns:p14="http://schemas.microsoft.com/office/powerpoint/2010/main" val="228251241"/>
       </p:ext>
     </p:extLst>
   </p:cSld>
@@ -4541,7 +5391,7 @@
           <p:cNvPr id="2" name="Title 1">
             <a:extLst>
               <a:ext uri="{FF2B5EF4-FFF2-40B4-BE49-F238E27FC236}">
-                <a16:creationId xmlns:a16="http://schemas.microsoft.com/office/drawing/2014/main" id="{FCA91784-370D-4CD0-B94C-0FD5BE13A393}"/>
+                <a16:creationId xmlns:a16="http://schemas.microsoft.com/office/drawing/2014/main" id="{1E5330F8-9BD9-43C8-9A39-602ADCF6BBBD}"/>
               </a:ext>
             </a:extLst>
           </p:cNvPr>
@@ -4552,28 +5402,52 @@
             <p:ph type="title"/>
           </p:nvPr>
         </p:nvSpPr>
+        <p:spPr/>
+        <p:txBody>
+          <a:bodyPr/>
+          <a:lstStyle/>
+          <a:p>
+            <a:r>
+              <a:rPr lang="pt-BR" dirty="0"/>
+              <a:t>Alcance Global</a:t>
+            </a:r>
+          </a:p>
+        </p:txBody>
+      </p:sp>
+      <p:pic>
+        <p:nvPicPr>
+          <p:cNvPr id="3" name="Picture 2">
+            <a:extLst>
+              <a:ext uri="{FF2B5EF4-FFF2-40B4-BE49-F238E27FC236}">
+                <a16:creationId xmlns:a16="http://schemas.microsoft.com/office/drawing/2014/main" id="{DA446434-25D0-4025-BF10-7DDE8290098E}"/>
+              </a:ext>
+            </a:extLst>
+          </p:cNvPr>
+          <p:cNvPicPr>
+            <a:picLocks noChangeAspect="1"/>
+          </p:cNvPicPr>
+          <p:nvPr/>
+        </p:nvPicPr>
+        <p:blipFill>
+          <a:blip r:embed="rId2"/>
+          <a:stretch>
+            <a:fillRect/>
+          </a:stretch>
+        </p:blipFill>
         <p:spPr>
           <a:xfrm>
-            <a:off x="838200" y="2766218"/>
-            <a:ext cx="10515600" cy="1325563"/>
+            <a:off x="300037" y="2233612"/>
+            <a:ext cx="11591925" cy="2390775"/>
           </a:xfrm>
+          <a:prstGeom prst="rect">
+            <a:avLst/>
+          </a:prstGeom>
         </p:spPr>
-        <p:txBody>
-          <a:bodyPr/>
-          <a:lstStyle/>
-          <a:p>
-            <a:pPr algn="ctr"/>
-            <a:r>
-              <a:rPr lang="pt-BR" dirty="0"/>
-              <a:t>Visão Geral da Console</a:t>
-            </a:r>
-          </a:p>
-        </p:txBody>
-      </p:sp>
+      </p:pic>
     </p:spTree>
     <p:extLst>
       <p:ext uri="{BB962C8B-B14F-4D97-AF65-F5344CB8AC3E}">
-        <p14:creationId xmlns:p14="http://schemas.microsoft.com/office/powerpoint/2010/main" val="2763913803"/>
+        <p14:creationId xmlns:p14="http://schemas.microsoft.com/office/powerpoint/2010/main" val="3977356005"/>
       </p:ext>
     </p:extLst>
   </p:cSld>
@@ -4605,7 +5479,7 @@
           <p:cNvPr id="2" name="Title 1">
             <a:extLst>
               <a:ext uri="{FF2B5EF4-FFF2-40B4-BE49-F238E27FC236}">
-                <a16:creationId xmlns:a16="http://schemas.microsoft.com/office/drawing/2014/main" id="{FCA91784-370D-4CD0-B94C-0FD5BE13A393}"/>
+                <a16:creationId xmlns:a16="http://schemas.microsoft.com/office/drawing/2014/main" id="{1E5330F8-9BD9-43C8-9A39-602ADCF6BBBD}"/>
               </a:ext>
             </a:extLst>
           </p:cNvPr>
@@ -4616,28 +5490,52 @@
             <p:ph type="title"/>
           </p:nvPr>
         </p:nvSpPr>
+        <p:spPr/>
+        <p:txBody>
+          <a:bodyPr/>
+          <a:lstStyle/>
+          <a:p>
+            <a:r>
+              <a:rPr lang="pt-BR" dirty="0"/>
+              <a:t>Alcance Global</a:t>
+            </a:r>
+          </a:p>
+        </p:txBody>
+      </p:sp>
+      <p:pic>
+        <p:nvPicPr>
+          <p:cNvPr id="4" name="Picture 3">
+            <a:extLst>
+              <a:ext uri="{FF2B5EF4-FFF2-40B4-BE49-F238E27FC236}">
+                <a16:creationId xmlns:a16="http://schemas.microsoft.com/office/drawing/2014/main" id="{80A1F54F-3088-4756-89A2-C785B08B21E9}"/>
+              </a:ext>
+            </a:extLst>
+          </p:cNvPr>
+          <p:cNvPicPr>
+            <a:picLocks noChangeAspect="1"/>
+          </p:cNvPicPr>
+          <p:nvPr/>
+        </p:nvPicPr>
+        <p:blipFill>
+          <a:blip r:embed="rId2"/>
+          <a:stretch>
+            <a:fillRect/>
+          </a:stretch>
+        </p:blipFill>
         <p:spPr>
           <a:xfrm>
-            <a:off x="838200" y="2766218"/>
-            <a:ext cx="10515600" cy="1325563"/>
+            <a:off x="719137" y="1435100"/>
+            <a:ext cx="10753725" cy="5057775"/>
           </a:xfrm>
+          <a:prstGeom prst="rect">
+            <a:avLst/>
+          </a:prstGeom>
         </p:spPr>
-        <p:txBody>
-          <a:bodyPr/>
-          <a:lstStyle/>
-          <a:p>
-            <a:pPr algn="ctr"/>
-            <a:r>
-              <a:rPr lang="pt-BR" dirty="0"/>
-              <a:t>Serviços de Armazenamento da Google Cloud</a:t>
-            </a:r>
-          </a:p>
-        </p:txBody>
-      </p:sp>
+      </p:pic>
     </p:spTree>
     <p:extLst>
       <p:ext uri="{BB962C8B-B14F-4D97-AF65-F5344CB8AC3E}">
-        <p14:creationId xmlns:p14="http://schemas.microsoft.com/office/powerpoint/2010/main" val="1462898881"/>
+        <p14:creationId xmlns:p14="http://schemas.microsoft.com/office/powerpoint/2010/main" val="588706152"/>
       </p:ext>
     </p:extLst>
   </p:cSld>
@@ -4693,7 +5591,7 @@
             <a:pPr algn="ctr"/>
             <a:r>
               <a:rPr lang="pt-BR" dirty="0"/>
-              <a:t>Serviços de Computação na Google Cloud</a:t>
+              <a:t>Modelo de Segurança na Google Cloud</a:t>
             </a:r>
           </a:p>
         </p:txBody>
@@ -4701,7 +5599,7 @@
     </p:spTree>
     <p:extLst>
       <p:ext uri="{BB962C8B-B14F-4D97-AF65-F5344CB8AC3E}">
-        <p14:creationId xmlns:p14="http://schemas.microsoft.com/office/powerpoint/2010/main" val="2086721489"/>
+        <p14:creationId xmlns:p14="http://schemas.microsoft.com/office/powerpoint/2010/main" val="4030395476"/>
       </p:ext>
     </p:extLst>
   </p:cSld>
@@ -4757,7 +5655,7 @@
             <a:pPr algn="ctr"/>
             <a:r>
               <a:rPr lang="pt-BR" dirty="0"/>
-              <a:t>Serviços de Banco de Dados na Google Cloud</a:t>
+              <a:t>Preços na Google Cloud Platform</a:t>
             </a:r>
           </a:p>
         </p:txBody>
@@ -4765,7 +5663,7 @@
     </p:spTree>
     <p:extLst>
       <p:ext uri="{BB962C8B-B14F-4D97-AF65-F5344CB8AC3E}">
-        <p14:creationId xmlns:p14="http://schemas.microsoft.com/office/powerpoint/2010/main" val="113891024"/>
+        <p14:creationId xmlns:p14="http://schemas.microsoft.com/office/powerpoint/2010/main" val="1579028456"/>
       </p:ext>
     </p:extLst>
   </p:cSld>
@@ -4815,22 +5713,13 @@
           </a:xfrm>
         </p:spPr>
         <p:txBody>
-          <a:bodyPr>
-            <a:normAutofit fontScale="90000"/>
-          </a:bodyPr>
+          <a:bodyPr/>
           <a:lstStyle/>
           <a:p>
             <a:pPr algn="ctr"/>
             <a:r>
               <a:rPr lang="pt-BR" dirty="0"/>
-              <a:t>Cloud SDK - Ferramenta de Linha de Comando da</a:t>
-            </a:r>
-            <a:br>
-              <a:rPr lang="pt-BR" dirty="0"/>
-            </a:br>
-            <a:r>
-              <a:rPr lang="pt-BR" dirty="0"/>
-              <a:t>Google Cloud</a:t>
+              <a:t>Criando Conta na Google Cloud</a:t>
             </a:r>
           </a:p>
         </p:txBody>
@@ -4838,7 +5727,7 @@
     </p:spTree>
     <p:extLst>
       <p:ext uri="{BB962C8B-B14F-4D97-AF65-F5344CB8AC3E}">
-        <p14:creationId xmlns:p14="http://schemas.microsoft.com/office/powerpoint/2010/main" val="3300498574"/>
+        <p14:creationId xmlns:p14="http://schemas.microsoft.com/office/powerpoint/2010/main" val="1471387377"/>
       </p:ext>
     </p:extLst>
   </p:cSld>
@@ -4894,7 +5783,7 @@
             <a:pPr algn="ctr"/>
             <a:r>
               <a:rPr lang="pt-BR" dirty="0"/>
-              <a:t>Preços na Google Cloud Platform</a:t>
+              <a:t>Gastos e Orçamentos</a:t>
             </a:r>
           </a:p>
         </p:txBody>
@@ -4902,7 +5791,71 @@
     </p:spTree>
     <p:extLst>
       <p:ext uri="{BB962C8B-B14F-4D97-AF65-F5344CB8AC3E}">
-        <p14:creationId xmlns:p14="http://schemas.microsoft.com/office/powerpoint/2010/main" val="2756927842"/>
+        <p14:creationId xmlns:p14="http://schemas.microsoft.com/office/powerpoint/2010/main" val="3337993603"/>
+      </p:ext>
+    </p:extLst>
+  </p:cSld>
+  <p:clrMapOvr>
+    <a:masterClrMapping/>
+  </p:clrMapOvr>
+</p:sld>
+</file>
+
+<file path=ppt/slides/slide29.xml><?xml version="1.0" encoding="utf-8"?>
+<p:sld xmlns:a="http://schemas.openxmlformats.org/drawingml/2006/main" xmlns:r="http://schemas.openxmlformats.org/officeDocument/2006/relationships" xmlns:p="http://schemas.openxmlformats.org/presentationml/2006/main">
+  <p:cSld>
+    <p:spTree>
+      <p:nvGrpSpPr>
+        <p:cNvPr id="1" name=""/>
+        <p:cNvGrpSpPr/>
+        <p:nvPr/>
+      </p:nvGrpSpPr>
+      <p:grpSpPr>
+        <a:xfrm>
+          <a:off x="0" y="0"/>
+          <a:ext cx="0" cy="0"/>
+          <a:chOff x="0" y="0"/>
+          <a:chExt cx="0" cy="0"/>
+        </a:xfrm>
+      </p:grpSpPr>
+      <p:sp>
+        <p:nvSpPr>
+          <p:cNvPr id="2" name="Title 1">
+            <a:extLst>
+              <a:ext uri="{FF2B5EF4-FFF2-40B4-BE49-F238E27FC236}">
+                <a16:creationId xmlns:a16="http://schemas.microsoft.com/office/drawing/2014/main" id="{FCA91784-370D-4CD0-B94C-0FD5BE13A393}"/>
+              </a:ext>
+            </a:extLst>
+          </p:cNvPr>
+          <p:cNvSpPr>
+            <a:spLocks noGrp="1"/>
+          </p:cNvSpPr>
+          <p:nvPr>
+            <p:ph type="title"/>
+          </p:nvPr>
+        </p:nvSpPr>
+        <p:spPr>
+          <a:xfrm>
+            <a:off x="838200" y="2766218"/>
+            <a:ext cx="10515600" cy="1325563"/>
+          </a:xfrm>
+        </p:spPr>
+        <p:txBody>
+          <a:bodyPr/>
+          <a:lstStyle/>
+          <a:p>
+            <a:pPr algn="ctr"/>
+            <a:r>
+              <a:rPr lang="pt-BR" dirty="0"/>
+              <a:t>Visão Geral da Console</a:t>
+            </a:r>
+          </a:p>
+        </p:txBody>
+      </p:sp>
+    </p:spTree>
+    <p:extLst>
+      <p:ext uri="{BB962C8B-B14F-4D97-AF65-F5344CB8AC3E}">
+        <p14:creationId xmlns:p14="http://schemas.microsoft.com/office/powerpoint/2010/main" val="2763913803"/>
       </p:ext>
     </p:extLst>
   </p:cSld>
@@ -4992,6 +5945,335 @@
     <p:extLst>
       <p:ext uri="{BB962C8B-B14F-4D97-AF65-F5344CB8AC3E}">
         <p14:creationId xmlns:p14="http://schemas.microsoft.com/office/powerpoint/2010/main" val="3672550545"/>
+      </p:ext>
+    </p:extLst>
+  </p:cSld>
+  <p:clrMapOvr>
+    <a:masterClrMapping/>
+  </p:clrMapOvr>
+</p:sld>
+</file>
+
+<file path=ppt/slides/slide30.xml><?xml version="1.0" encoding="utf-8"?>
+<p:sld xmlns:a="http://schemas.openxmlformats.org/drawingml/2006/main" xmlns:r="http://schemas.openxmlformats.org/officeDocument/2006/relationships" xmlns:p="http://schemas.openxmlformats.org/presentationml/2006/main">
+  <p:cSld>
+    <p:spTree>
+      <p:nvGrpSpPr>
+        <p:cNvPr id="1" name=""/>
+        <p:cNvGrpSpPr/>
+        <p:nvPr/>
+      </p:nvGrpSpPr>
+      <p:grpSpPr>
+        <a:xfrm>
+          <a:off x="0" y="0"/>
+          <a:ext cx="0" cy="0"/>
+          <a:chOff x="0" y="0"/>
+          <a:chExt cx="0" cy="0"/>
+        </a:xfrm>
+      </p:grpSpPr>
+      <p:sp>
+        <p:nvSpPr>
+          <p:cNvPr id="2" name="Title 1">
+            <a:extLst>
+              <a:ext uri="{FF2B5EF4-FFF2-40B4-BE49-F238E27FC236}">
+                <a16:creationId xmlns:a16="http://schemas.microsoft.com/office/drawing/2014/main" id="{FCA91784-370D-4CD0-B94C-0FD5BE13A393}"/>
+              </a:ext>
+            </a:extLst>
+          </p:cNvPr>
+          <p:cNvSpPr>
+            <a:spLocks noGrp="1"/>
+          </p:cNvSpPr>
+          <p:nvPr>
+            <p:ph type="title"/>
+          </p:nvPr>
+        </p:nvSpPr>
+        <p:spPr>
+          <a:xfrm>
+            <a:off x="838200" y="2766218"/>
+            <a:ext cx="10515600" cy="1325563"/>
+          </a:xfrm>
+        </p:spPr>
+        <p:txBody>
+          <a:bodyPr/>
+          <a:lstStyle/>
+          <a:p>
+            <a:pPr algn="ctr"/>
+            <a:r>
+              <a:rPr lang="pt-BR" dirty="0"/>
+              <a:t>Serviços de Armazenamento da Google Cloud</a:t>
+            </a:r>
+          </a:p>
+        </p:txBody>
+      </p:sp>
+    </p:spTree>
+    <p:extLst>
+      <p:ext uri="{BB962C8B-B14F-4D97-AF65-F5344CB8AC3E}">
+        <p14:creationId xmlns:p14="http://schemas.microsoft.com/office/powerpoint/2010/main" val="1462898881"/>
+      </p:ext>
+    </p:extLst>
+  </p:cSld>
+  <p:clrMapOvr>
+    <a:masterClrMapping/>
+  </p:clrMapOvr>
+</p:sld>
+</file>
+
+<file path=ppt/slides/slide31.xml><?xml version="1.0" encoding="utf-8"?>
+<p:sld xmlns:a="http://schemas.openxmlformats.org/drawingml/2006/main" xmlns:r="http://schemas.openxmlformats.org/officeDocument/2006/relationships" xmlns:p="http://schemas.openxmlformats.org/presentationml/2006/main">
+  <p:cSld>
+    <p:spTree>
+      <p:nvGrpSpPr>
+        <p:cNvPr id="1" name=""/>
+        <p:cNvGrpSpPr/>
+        <p:nvPr/>
+      </p:nvGrpSpPr>
+      <p:grpSpPr>
+        <a:xfrm>
+          <a:off x="0" y="0"/>
+          <a:ext cx="0" cy="0"/>
+          <a:chOff x="0" y="0"/>
+          <a:chExt cx="0" cy="0"/>
+        </a:xfrm>
+      </p:grpSpPr>
+      <p:sp>
+        <p:nvSpPr>
+          <p:cNvPr id="2" name="Title 1">
+            <a:extLst>
+              <a:ext uri="{FF2B5EF4-FFF2-40B4-BE49-F238E27FC236}">
+                <a16:creationId xmlns:a16="http://schemas.microsoft.com/office/drawing/2014/main" id="{FCA91784-370D-4CD0-B94C-0FD5BE13A393}"/>
+              </a:ext>
+            </a:extLst>
+          </p:cNvPr>
+          <p:cNvSpPr>
+            <a:spLocks noGrp="1"/>
+          </p:cNvSpPr>
+          <p:nvPr>
+            <p:ph type="title"/>
+          </p:nvPr>
+        </p:nvSpPr>
+        <p:spPr>
+          <a:xfrm>
+            <a:off x="838200" y="2766218"/>
+            <a:ext cx="10515600" cy="1325563"/>
+          </a:xfrm>
+        </p:spPr>
+        <p:txBody>
+          <a:bodyPr/>
+          <a:lstStyle/>
+          <a:p>
+            <a:pPr algn="ctr"/>
+            <a:r>
+              <a:rPr lang="pt-BR" dirty="0"/>
+              <a:t>Serviços de Computação na Google Cloud</a:t>
+            </a:r>
+          </a:p>
+        </p:txBody>
+      </p:sp>
+    </p:spTree>
+    <p:extLst>
+      <p:ext uri="{BB962C8B-B14F-4D97-AF65-F5344CB8AC3E}">
+        <p14:creationId xmlns:p14="http://schemas.microsoft.com/office/powerpoint/2010/main" val="2086721489"/>
+      </p:ext>
+    </p:extLst>
+  </p:cSld>
+  <p:clrMapOvr>
+    <a:masterClrMapping/>
+  </p:clrMapOvr>
+</p:sld>
+</file>
+
+<file path=ppt/slides/slide32.xml><?xml version="1.0" encoding="utf-8"?>
+<p:sld xmlns:a="http://schemas.openxmlformats.org/drawingml/2006/main" xmlns:r="http://schemas.openxmlformats.org/officeDocument/2006/relationships" xmlns:p="http://schemas.openxmlformats.org/presentationml/2006/main">
+  <p:cSld>
+    <p:spTree>
+      <p:nvGrpSpPr>
+        <p:cNvPr id="1" name=""/>
+        <p:cNvGrpSpPr/>
+        <p:nvPr/>
+      </p:nvGrpSpPr>
+      <p:grpSpPr>
+        <a:xfrm>
+          <a:off x="0" y="0"/>
+          <a:ext cx="0" cy="0"/>
+          <a:chOff x="0" y="0"/>
+          <a:chExt cx="0" cy="0"/>
+        </a:xfrm>
+      </p:grpSpPr>
+      <p:sp>
+        <p:nvSpPr>
+          <p:cNvPr id="2" name="Title 1">
+            <a:extLst>
+              <a:ext uri="{FF2B5EF4-FFF2-40B4-BE49-F238E27FC236}">
+                <a16:creationId xmlns:a16="http://schemas.microsoft.com/office/drawing/2014/main" id="{FCA91784-370D-4CD0-B94C-0FD5BE13A393}"/>
+              </a:ext>
+            </a:extLst>
+          </p:cNvPr>
+          <p:cNvSpPr>
+            <a:spLocks noGrp="1"/>
+          </p:cNvSpPr>
+          <p:nvPr>
+            <p:ph type="title"/>
+          </p:nvPr>
+        </p:nvSpPr>
+        <p:spPr>
+          <a:xfrm>
+            <a:off x="838200" y="2766218"/>
+            <a:ext cx="10515600" cy="1325563"/>
+          </a:xfrm>
+        </p:spPr>
+        <p:txBody>
+          <a:bodyPr/>
+          <a:lstStyle/>
+          <a:p>
+            <a:pPr algn="ctr"/>
+            <a:r>
+              <a:rPr lang="pt-BR" dirty="0"/>
+              <a:t>Serviços de Banco de Dados na Google Cloud</a:t>
+            </a:r>
+          </a:p>
+        </p:txBody>
+      </p:sp>
+    </p:spTree>
+    <p:extLst>
+      <p:ext uri="{BB962C8B-B14F-4D97-AF65-F5344CB8AC3E}">
+        <p14:creationId xmlns:p14="http://schemas.microsoft.com/office/powerpoint/2010/main" val="113891024"/>
+      </p:ext>
+    </p:extLst>
+  </p:cSld>
+  <p:clrMapOvr>
+    <a:masterClrMapping/>
+  </p:clrMapOvr>
+</p:sld>
+</file>
+
+<file path=ppt/slides/slide33.xml><?xml version="1.0" encoding="utf-8"?>
+<p:sld xmlns:a="http://schemas.openxmlformats.org/drawingml/2006/main" xmlns:r="http://schemas.openxmlformats.org/officeDocument/2006/relationships" xmlns:p="http://schemas.openxmlformats.org/presentationml/2006/main">
+  <p:cSld>
+    <p:spTree>
+      <p:nvGrpSpPr>
+        <p:cNvPr id="1" name=""/>
+        <p:cNvGrpSpPr/>
+        <p:nvPr/>
+      </p:nvGrpSpPr>
+      <p:grpSpPr>
+        <a:xfrm>
+          <a:off x="0" y="0"/>
+          <a:ext cx="0" cy="0"/>
+          <a:chOff x="0" y="0"/>
+          <a:chExt cx="0" cy="0"/>
+        </a:xfrm>
+      </p:grpSpPr>
+      <p:sp>
+        <p:nvSpPr>
+          <p:cNvPr id="2" name="Title 1">
+            <a:extLst>
+              <a:ext uri="{FF2B5EF4-FFF2-40B4-BE49-F238E27FC236}">
+                <a16:creationId xmlns:a16="http://schemas.microsoft.com/office/drawing/2014/main" id="{FCA91784-370D-4CD0-B94C-0FD5BE13A393}"/>
+              </a:ext>
+            </a:extLst>
+          </p:cNvPr>
+          <p:cNvSpPr>
+            <a:spLocks noGrp="1"/>
+          </p:cNvSpPr>
+          <p:nvPr>
+            <p:ph type="title"/>
+          </p:nvPr>
+        </p:nvSpPr>
+        <p:spPr>
+          <a:xfrm>
+            <a:off x="838200" y="2766218"/>
+            <a:ext cx="10515600" cy="1325563"/>
+          </a:xfrm>
+        </p:spPr>
+        <p:txBody>
+          <a:bodyPr>
+            <a:normAutofit fontScale="90000"/>
+          </a:bodyPr>
+          <a:lstStyle/>
+          <a:p>
+            <a:pPr algn="ctr"/>
+            <a:r>
+              <a:rPr lang="pt-BR" dirty="0"/>
+              <a:t>Cloud SDK - Ferramenta de Linha de Comando da</a:t>
+            </a:r>
+            <a:br>
+              <a:rPr lang="pt-BR" dirty="0"/>
+            </a:br>
+            <a:r>
+              <a:rPr lang="pt-BR" dirty="0"/>
+              <a:t>Google Cloud</a:t>
+            </a:r>
+          </a:p>
+        </p:txBody>
+      </p:sp>
+    </p:spTree>
+    <p:extLst>
+      <p:ext uri="{BB962C8B-B14F-4D97-AF65-F5344CB8AC3E}">
+        <p14:creationId xmlns:p14="http://schemas.microsoft.com/office/powerpoint/2010/main" val="3300498574"/>
+      </p:ext>
+    </p:extLst>
+  </p:cSld>
+  <p:clrMapOvr>
+    <a:masterClrMapping/>
+  </p:clrMapOvr>
+</p:sld>
+</file>
+
+<file path=ppt/slides/slide34.xml><?xml version="1.0" encoding="utf-8"?>
+<p:sld xmlns:a="http://schemas.openxmlformats.org/drawingml/2006/main" xmlns:r="http://schemas.openxmlformats.org/officeDocument/2006/relationships" xmlns:p="http://schemas.openxmlformats.org/presentationml/2006/main">
+  <p:cSld>
+    <p:spTree>
+      <p:nvGrpSpPr>
+        <p:cNvPr id="1" name=""/>
+        <p:cNvGrpSpPr/>
+        <p:nvPr/>
+      </p:nvGrpSpPr>
+      <p:grpSpPr>
+        <a:xfrm>
+          <a:off x="0" y="0"/>
+          <a:ext cx="0" cy="0"/>
+          <a:chOff x="0" y="0"/>
+          <a:chExt cx="0" cy="0"/>
+        </a:xfrm>
+      </p:grpSpPr>
+      <p:sp>
+        <p:nvSpPr>
+          <p:cNvPr id="2" name="Title 1">
+            <a:extLst>
+              <a:ext uri="{FF2B5EF4-FFF2-40B4-BE49-F238E27FC236}">
+                <a16:creationId xmlns:a16="http://schemas.microsoft.com/office/drawing/2014/main" id="{FCA91784-370D-4CD0-B94C-0FD5BE13A393}"/>
+              </a:ext>
+            </a:extLst>
+          </p:cNvPr>
+          <p:cNvSpPr>
+            <a:spLocks noGrp="1"/>
+          </p:cNvSpPr>
+          <p:nvPr>
+            <p:ph type="title"/>
+          </p:nvPr>
+        </p:nvSpPr>
+        <p:spPr>
+          <a:xfrm>
+            <a:off x="838200" y="2766218"/>
+            <a:ext cx="10515600" cy="1325563"/>
+          </a:xfrm>
+        </p:spPr>
+        <p:txBody>
+          <a:bodyPr/>
+          <a:lstStyle/>
+          <a:p>
+            <a:pPr algn="ctr"/>
+            <a:r>
+              <a:rPr lang="pt-BR" dirty="0"/>
+              <a:t>Preços na Google Cloud Platform</a:t>
+            </a:r>
+          </a:p>
+        </p:txBody>
+      </p:sp>
+    </p:spTree>
+    <p:extLst>
+      <p:ext uri="{BB962C8B-B14F-4D97-AF65-F5344CB8AC3E}">
+        <p14:creationId xmlns:p14="http://schemas.microsoft.com/office/powerpoint/2010/main" val="2756927842"/>
       </p:ext>
     </p:extLst>
   </p:cSld>
@@ -5852,4 +7134,299 @@
     </a:ext>
   </a:extLst>
 </a:theme>
+</file>
+
+<file path=ppt/theme/theme2.xml><?xml version="1.0" encoding="utf-8"?>
+<a:theme xmlns:a="http://schemas.openxmlformats.org/drawingml/2006/main" name="Office Theme">
+  <a:themeElements>
+    <a:clrScheme name="Office">
+      <a:dk1>
+        <a:sysClr val="windowText" lastClr="000000"/>
+      </a:dk1>
+      <a:lt1>
+        <a:sysClr val="window" lastClr="FFFFFF"/>
+      </a:lt1>
+      <a:dk2>
+        <a:srgbClr val="44546A"/>
+      </a:dk2>
+      <a:lt2>
+        <a:srgbClr val="E7E6E6"/>
+      </a:lt2>
+      <a:accent1>
+        <a:srgbClr val="4472C4"/>
+      </a:accent1>
+      <a:accent2>
+        <a:srgbClr val="ED7D31"/>
+      </a:accent2>
+      <a:accent3>
+        <a:srgbClr val="A5A5A5"/>
+      </a:accent3>
+      <a:accent4>
+        <a:srgbClr val="FFC000"/>
+      </a:accent4>
+      <a:accent5>
+        <a:srgbClr val="5B9BD5"/>
+      </a:accent5>
+      <a:accent6>
+        <a:srgbClr val="70AD47"/>
+      </a:accent6>
+      <a:hlink>
+        <a:srgbClr val="0563C1"/>
+      </a:hlink>
+      <a:folHlink>
+        <a:srgbClr val="954F72"/>
+      </a:folHlink>
+    </a:clrScheme>
+    <a:fontScheme name="Office">
+      <a:majorFont>
+        <a:latin typeface="Calibri Light" panose="020F0302020204030204"/>
+        <a:ea typeface=""/>
+        <a:cs typeface=""/>
+        <a:font script="Jpan" typeface="游ゴシック Light"/>
+        <a:font script="Hang" typeface="맑은 고딕"/>
+        <a:font script="Hans" typeface="等线 Light"/>
+        <a:font script="Hant" typeface="新細明體"/>
+        <a:font script="Arab" typeface="Times New Roman"/>
+        <a:font script="Hebr" typeface="Times New Roman"/>
+        <a:font script="Thai" typeface="Angsana New"/>
+        <a:font script="Ethi" typeface="Nyala"/>
+        <a:font script="Beng" typeface="Vrinda"/>
+        <a:font script="Gujr" typeface="Shruti"/>
+        <a:font script="Khmr" typeface="MoolBoran"/>
+        <a:font script="Knda" typeface="Tunga"/>
+        <a:font script="Guru" typeface="Raavi"/>
+        <a:font script="Cans" typeface="Euphemia"/>
+        <a:font script="Cher" typeface="Plantagenet Cherokee"/>
+        <a:font script="Yiii" typeface="Microsoft Yi Baiti"/>
+        <a:font script="Tibt" typeface="Microsoft Himalaya"/>
+        <a:font script="Thaa" typeface="MV Boli"/>
+        <a:font script="Deva" typeface="Mangal"/>
+        <a:font script="Telu" typeface="Gautami"/>
+        <a:font script="Taml" typeface="Latha"/>
+        <a:font script="Syrc" typeface="Estrangelo Edessa"/>
+        <a:font script="Orya" typeface="Kalinga"/>
+        <a:font script="Mlym" typeface="Kartika"/>
+        <a:font script="Laoo" typeface="DokChampa"/>
+        <a:font script="Sinh" typeface="Iskoola Pota"/>
+        <a:font script="Mong" typeface="Mongolian Baiti"/>
+        <a:font script="Viet" typeface="Times New Roman"/>
+        <a:font script="Uigh" typeface="Microsoft Uighur"/>
+        <a:font script="Geor" typeface="Sylfaen"/>
+        <a:font script="Armn" typeface="Arial"/>
+        <a:font script="Bugi" typeface="Leelawadee UI"/>
+        <a:font script="Bopo" typeface="Microsoft JhengHei"/>
+        <a:font script="Java" typeface="Javanese Text"/>
+        <a:font script="Lisu" typeface="Segoe UI"/>
+        <a:font script="Mymr" typeface="Myanmar Text"/>
+        <a:font script="Nkoo" typeface="Ebrima"/>
+        <a:font script="Olck" typeface="Nirmala UI"/>
+        <a:font script="Osma" typeface="Ebrima"/>
+        <a:font script="Phag" typeface="Phagspa"/>
+        <a:font script="Syrn" typeface="Estrangelo Edessa"/>
+        <a:font script="Syrj" typeface="Estrangelo Edessa"/>
+        <a:font script="Syre" typeface="Estrangelo Edessa"/>
+        <a:font script="Sora" typeface="Nirmala UI"/>
+        <a:font script="Tale" typeface="Microsoft Tai Le"/>
+        <a:font script="Talu" typeface="Microsoft New Tai Lue"/>
+        <a:font script="Tfng" typeface="Ebrima"/>
+      </a:majorFont>
+      <a:minorFont>
+        <a:latin typeface="Calibri" panose="020F0502020204030204"/>
+        <a:ea typeface=""/>
+        <a:cs typeface=""/>
+        <a:font script="Jpan" typeface="游ゴシック"/>
+        <a:font script="Hang" typeface="맑은 고딕"/>
+        <a:font script="Hans" typeface="等线"/>
+        <a:font script="Hant" typeface="新細明體"/>
+        <a:font script="Arab" typeface="Arial"/>
+        <a:font script="Hebr" typeface="Arial"/>
+        <a:font script="Thai" typeface="Cordia New"/>
+        <a:font script="Ethi" typeface="Nyala"/>
+        <a:font script="Beng" typeface="Vrinda"/>
+        <a:font script="Gujr" typeface="Shruti"/>
+        <a:font script="Khmr" typeface="DaunPenh"/>
+        <a:font script="Knda" typeface="Tunga"/>
+        <a:font script="Guru" typeface="Raavi"/>
+        <a:font script="Cans" typeface="Euphemia"/>
+        <a:font script="Cher" typeface="Plantagenet Cherokee"/>
+        <a:font script="Yiii" typeface="Microsoft Yi Baiti"/>
+        <a:font script="Tibt" typeface="Microsoft Himalaya"/>
+        <a:font script="Thaa" typeface="MV Boli"/>
+        <a:font script="Deva" typeface="Mangal"/>
+        <a:font script="Telu" typeface="Gautami"/>
+        <a:font script="Taml" typeface="Latha"/>
+        <a:font script="Syrc" typeface="Estrangelo Edessa"/>
+        <a:font script="Orya" typeface="Kalinga"/>
+        <a:font script="Mlym" typeface="Kartika"/>
+        <a:font script="Laoo" typeface="DokChampa"/>
+        <a:font script="Sinh" typeface="Iskoola Pota"/>
+        <a:font script="Mong" typeface="Mongolian Baiti"/>
+        <a:font script="Viet" typeface="Arial"/>
+        <a:font script="Uigh" typeface="Microsoft Uighur"/>
+        <a:font script="Geor" typeface="Sylfaen"/>
+        <a:font script="Armn" typeface="Arial"/>
+        <a:font script="Bugi" typeface="Leelawadee UI"/>
+        <a:font script="Bopo" typeface="Microsoft JhengHei"/>
+        <a:font script="Java" typeface="Javanese Text"/>
+        <a:font script="Lisu" typeface="Segoe UI"/>
+        <a:font script="Mymr" typeface="Myanmar Text"/>
+        <a:font script="Nkoo" typeface="Ebrima"/>
+        <a:font script="Olck" typeface="Nirmala UI"/>
+        <a:font script="Osma" typeface="Ebrima"/>
+        <a:font script="Phag" typeface="Phagspa"/>
+        <a:font script="Syrn" typeface="Estrangelo Edessa"/>
+        <a:font script="Syrj" typeface="Estrangelo Edessa"/>
+        <a:font script="Syre" typeface="Estrangelo Edessa"/>
+        <a:font script="Sora" typeface="Nirmala UI"/>
+        <a:font script="Tale" typeface="Microsoft Tai Le"/>
+        <a:font script="Talu" typeface="Microsoft New Tai Lue"/>
+        <a:font script="Tfng" typeface="Ebrima"/>
+      </a:minorFont>
+    </a:fontScheme>
+    <a:fmtScheme name="Office">
+      <a:fillStyleLst>
+        <a:solidFill>
+          <a:schemeClr val="phClr"/>
+        </a:solidFill>
+        <a:gradFill rotWithShape="1">
+          <a:gsLst>
+            <a:gs pos="0">
+              <a:schemeClr val="phClr">
+                <a:lumMod val="110000"/>
+                <a:satMod val="105000"/>
+                <a:tint val="67000"/>
+              </a:schemeClr>
+            </a:gs>
+            <a:gs pos="50000">
+              <a:schemeClr val="phClr">
+                <a:lumMod val="105000"/>
+                <a:satMod val="103000"/>
+                <a:tint val="73000"/>
+              </a:schemeClr>
+            </a:gs>
+            <a:gs pos="100000">
+              <a:schemeClr val="phClr">
+                <a:lumMod val="105000"/>
+                <a:satMod val="109000"/>
+                <a:tint val="81000"/>
+              </a:schemeClr>
+            </a:gs>
+          </a:gsLst>
+          <a:lin ang="5400000" scaled="0"/>
+        </a:gradFill>
+        <a:gradFill rotWithShape="1">
+          <a:gsLst>
+            <a:gs pos="0">
+              <a:schemeClr val="phClr">
+                <a:satMod val="103000"/>
+                <a:lumMod val="102000"/>
+                <a:tint val="94000"/>
+              </a:schemeClr>
+            </a:gs>
+            <a:gs pos="50000">
+              <a:schemeClr val="phClr">
+                <a:satMod val="110000"/>
+                <a:lumMod val="100000"/>
+                <a:shade val="100000"/>
+              </a:schemeClr>
+            </a:gs>
+            <a:gs pos="100000">
+              <a:schemeClr val="phClr">
+                <a:lumMod val="99000"/>
+                <a:satMod val="120000"/>
+                <a:shade val="78000"/>
+              </a:schemeClr>
+            </a:gs>
+          </a:gsLst>
+          <a:lin ang="5400000" scaled="0"/>
+        </a:gradFill>
+      </a:fillStyleLst>
+      <a:lnStyleLst>
+        <a:ln w="6350" cap="flat" cmpd="sng" algn="ctr">
+          <a:solidFill>
+            <a:schemeClr val="phClr"/>
+          </a:solidFill>
+          <a:prstDash val="solid"/>
+          <a:miter lim="800000"/>
+        </a:ln>
+        <a:ln w="12700" cap="flat" cmpd="sng" algn="ctr">
+          <a:solidFill>
+            <a:schemeClr val="phClr"/>
+          </a:solidFill>
+          <a:prstDash val="solid"/>
+          <a:miter lim="800000"/>
+        </a:ln>
+        <a:ln w="19050" cap="flat" cmpd="sng" algn="ctr">
+          <a:solidFill>
+            <a:schemeClr val="phClr"/>
+          </a:solidFill>
+          <a:prstDash val="solid"/>
+          <a:miter lim="800000"/>
+        </a:ln>
+      </a:lnStyleLst>
+      <a:effectStyleLst>
+        <a:effectStyle>
+          <a:effectLst/>
+        </a:effectStyle>
+        <a:effectStyle>
+          <a:effectLst/>
+        </a:effectStyle>
+        <a:effectStyle>
+          <a:effectLst>
+            <a:outerShdw blurRad="57150" dist="19050" dir="5400000" algn="ctr" rotWithShape="0">
+              <a:srgbClr val="000000">
+                <a:alpha val="63000"/>
+              </a:srgbClr>
+            </a:outerShdw>
+          </a:effectLst>
+        </a:effectStyle>
+      </a:effectStyleLst>
+      <a:bgFillStyleLst>
+        <a:solidFill>
+          <a:schemeClr val="phClr"/>
+        </a:solidFill>
+        <a:solidFill>
+          <a:schemeClr val="phClr">
+            <a:tint val="95000"/>
+            <a:satMod val="170000"/>
+          </a:schemeClr>
+        </a:solidFill>
+        <a:gradFill rotWithShape="1">
+          <a:gsLst>
+            <a:gs pos="0">
+              <a:schemeClr val="phClr">
+                <a:tint val="93000"/>
+                <a:satMod val="150000"/>
+                <a:shade val="98000"/>
+                <a:lumMod val="102000"/>
+              </a:schemeClr>
+            </a:gs>
+            <a:gs pos="50000">
+              <a:schemeClr val="phClr">
+                <a:tint val="98000"/>
+                <a:satMod val="130000"/>
+                <a:shade val="90000"/>
+                <a:lumMod val="103000"/>
+              </a:schemeClr>
+            </a:gs>
+            <a:gs pos="100000">
+              <a:schemeClr val="phClr">
+                <a:shade val="63000"/>
+                <a:satMod val="120000"/>
+              </a:schemeClr>
+            </a:gs>
+          </a:gsLst>
+          <a:lin ang="5400000" scaled="0"/>
+        </a:gradFill>
+      </a:bgFillStyleLst>
+    </a:fmtScheme>
+  </a:themeElements>
+  <a:objectDefaults/>
+  <a:extraClrSchemeLst/>
+  <a:extLst>
+    <a:ext uri="{05A4C25C-085E-4340-85A3-A5531E510DB2}">
+      <thm15:themeFamily xmlns:thm15="http://schemas.microsoft.com/office/thememl/2012/main" name="Office Theme" id="{62F939B6-93AF-4DB8-9C6B-D6C7DFDC589F}" vid="{4A3C46E8-61CC-4603-A589-7422A47A8E4A}"/>
+    </a:ext>
+  </a:extLst>
+</a:theme>
 </file>